--- a/pptxs/Milestone.pptx
+++ b/pptxs/Milestone.pptx
@@ -4107,7 +4107,7 @@
         </p:blipFill>
         <p:spPr>
           <a:xfrm>
-            <a:off x="2593793" y="699543"/>
+            <a:off x="1588875" y="870024"/>
             <a:ext cx="3403244" cy="4170429"/>
           </a:xfrm>
         </p:spPr>
@@ -4141,6 +4141,36 @@
           </a:p>
         </p:txBody>
       </p:sp>
+      <p:pic>
+        <p:nvPicPr>
+          <p:cNvPr id="4" name="Picture 3">
+            <a:extLst>
+              <a:ext uri="{FF2B5EF4-FFF2-40B4-BE49-F238E27FC236}">
+                <a16:creationId xmlns:a16="http://schemas.microsoft.com/office/drawing/2014/main" id="{453058F4-85A3-47F1-99FE-2CEF40A07BE1}"/>
+              </a:ext>
+            </a:extLst>
+          </p:cNvPr>
+          <p:cNvPicPr>
+            <a:picLocks noChangeAspect="1"/>
+          </p:cNvPicPr>
+          <p:nvPr/>
+        </p:nvPicPr>
+        <p:blipFill>
+          <a:blip r:embed="rId3"/>
+          <a:stretch>
+            <a:fillRect/>
+          </a:stretch>
+        </p:blipFill>
+        <p:spPr>
+          <a:xfrm>
+            <a:off x="5441569" y="1945449"/>
+            <a:ext cx="2183597" cy="1788597"/>
+          </a:xfrm>
+          <a:prstGeom prst="rect">
+            <a:avLst/>
+          </a:prstGeom>
+        </p:spPr>
+      </p:pic>
     </p:spTree>
     <p:extLst>
       <p:ext uri="{BB962C8B-B14F-4D97-AF65-F5344CB8AC3E}">

--- a/pptxs/Milestone.pptx
+++ b/pptxs/Milestone.pptx
@@ -5,10 +5,10 @@
     <p:sldMasterId id="2147483648" r:id="rId1"/>
   </p:sldMasterIdLst>
   <p:notesMasterIdLst>
-    <p:notesMasterId r:id="rId7"/>
+    <p:notesMasterId r:id="rId8"/>
   </p:notesMasterIdLst>
   <p:handoutMasterIdLst>
-    <p:handoutMasterId r:id="rId8"/>
+    <p:handoutMasterId r:id="rId9"/>
   </p:handoutMasterIdLst>
   <p:sldIdLst>
     <p:sldId id="256" r:id="rId2"/>
@@ -16,6 +16,7 @@
     <p:sldId id="280" r:id="rId4"/>
     <p:sldId id="281" r:id="rId5"/>
     <p:sldId id="282" r:id="rId6"/>
+    <p:sldId id="283" r:id="rId7"/>
   </p:sldIdLst>
   <p:sldSz cx="9144000" cy="5143500" type="screen16x9"/>
   <p:notesSz cx="6858000" cy="9144000"/>
@@ -4448,6 +4449,414 @@
     <p:extLst>
       <p:ext uri="{BB962C8B-B14F-4D97-AF65-F5344CB8AC3E}">
         <p14:creationId xmlns:p14="http://schemas.microsoft.com/office/powerpoint/2010/main" val="3547365040"/>
+      </p:ext>
+    </p:extLst>
+  </p:cSld>
+  <p:clrMapOvr>
+    <a:masterClrMapping/>
+  </p:clrMapOvr>
+</p:sld>
+</file>
+
+<file path=ppt/slides/slide6.xml><?xml version="1.0" encoding="utf-8"?>
+<p:sld xmlns:a="http://schemas.openxmlformats.org/drawingml/2006/main" xmlns:r="http://schemas.openxmlformats.org/officeDocument/2006/relationships" xmlns:p="http://schemas.openxmlformats.org/presentationml/2006/main">
+  <p:cSld>
+    <p:spTree>
+      <p:nvGrpSpPr>
+        <p:cNvPr id="1" name=""/>
+        <p:cNvGrpSpPr/>
+        <p:nvPr/>
+      </p:nvGrpSpPr>
+      <p:grpSpPr>
+        <a:xfrm>
+          <a:off x="0" y="0"/>
+          <a:ext cx="0" cy="0"/>
+          <a:chOff x="0" y="0"/>
+          <a:chExt cx="0" cy="0"/>
+        </a:xfrm>
+      </p:grpSpPr>
+      <p:sp>
+        <p:nvSpPr>
+          <p:cNvPr id="2" name="Title 1">
+            <a:extLst>
+              <a:ext uri="{FF2B5EF4-FFF2-40B4-BE49-F238E27FC236}">
+                <a16:creationId xmlns:a16="http://schemas.microsoft.com/office/drawing/2014/main" id="{FD8CA5A3-AB57-4037-8006-0CB43530F358}"/>
+              </a:ext>
+            </a:extLst>
+          </p:cNvPr>
+          <p:cNvSpPr>
+            <a:spLocks noGrp="1"/>
+          </p:cNvSpPr>
+          <p:nvPr>
+            <p:ph type="title"/>
+          </p:nvPr>
+        </p:nvSpPr>
+        <p:spPr/>
+        <p:txBody>
+          <a:bodyPr/>
+          <a:lstStyle/>
+          <a:p>
+            <a:r>
+              <a:rPr lang="de-DE" dirty="0"/>
+              <a:t>Future </a:t>
+            </a:r>
+            <a:r>
+              <a:rPr lang="de-DE" dirty="0" err="1"/>
+              <a:t>plans</a:t>
+            </a:r>
+            <a:endParaRPr lang="en-GB" dirty="0"/>
+          </a:p>
+        </p:txBody>
+      </p:sp>
+      <p:sp>
+        <p:nvSpPr>
+          <p:cNvPr id="3" name="Inhaltsplatzhalter 1">
+            <a:extLst>
+              <a:ext uri="{FF2B5EF4-FFF2-40B4-BE49-F238E27FC236}">
+                <a16:creationId xmlns:a16="http://schemas.microsoft.com/office/drawing/2014/main" id="{7A266057-9AD3-4F53-8BB0-B0F4E23611AF}"/>
+              </a:ext>
+            </a:extLst>
+          </p:cNvPr>
+          <p:cNvSpPr txBox="1">
+            <a:spLocks/>
+          </p:cNvSpPr>
+          <p:nvPr/>
+        </p:nvSpPr>
+        <p:spPr>
+          <a:xfrm>
+            <a:off x="479429" y="1283497"/>
+            <a:ext cx="7923211" cy="3394472"/>
+          </a:xfrm>
+          <a:prstGeom prst="rect">
+            <a:avLst/>
+          </a:prstGeom>
+          <a:noFill/>
+          <a:ln>
+            <a:noFill/>
+          </a:ln>
+        </p:spPr>
+        <p:txBody>
+          <a:bodyPr vert="horz" wrap="square" lIns="91440" tIns="45720" rIns="91440" bIns="45720" anchor="t" anchorCtr="0" compatLnSpc="1">
+            <a:noAutofit/>
+          </a:bodyPr>
+          <a:lstStyle>
+            <a:lvl1pPr marL="268284" marR="0" lvl="0" indent="-268284" algn="l" defTabSz="914400" rtl="0" fontAlgn="auto" hangingPunct="1">
+              <a:lnSpc>
+                <a:spcPct val="100000"/>
+              </a:lnSpc>
+              <a:spcBef>
+                <a:spcPts val="700"/>
+              </a:spcBef>
+              <a:spcAft>
+                <a:spcPts val="0"/>
+              </a:spcAft>
+              <a:buClr>
+                <a:srgbClr val="008C4F"/>
+              </a:buClr>
+              <a:buSzPct val="110000"/>
+              <a:buFont typeface="Wingdings" pitchFamily="2"/>
+              <a:buChar char="§"/>
+              <a:tabLst/>
+              <a:defRPr lang="de-DE" sz="2800" b="0" i="0" u="none" strike="noStrike" kern="1200" cap="none" spc="0" baseline="0">
+                <a:solidFill>
+                  <a:srgbClr val="000000"/>
+                </a:solidFill>
+                <a:uFillTx/>
+                <a:latin typeface="StoneSansITCStd Medium" pitchFamily="50"/>
+                <a:ea typeface="Arial Unicode MS" pitchFamily="34"/>
+                <a:cs typeface="Arial Unicode MS" pitchFamily="34"/>
+              </a:defRPr>
+            </a:lvl1pPr>
+            <a:lvl2pPr marL="536579" marR="0" lvl="1" indent="-282577" algn="l" defTabSz="914400" rtl="0" fontAlgn="auto" hangingPunct="1">
+              <a:lnSpc>
+                <a:spcPct val="100000"/>
+              </a:lnSpc>
+              <a:spcBef>
+                <a:spcPts val="600"/>
+              </a:spcBef>
+              <a:spcAft>
+                <a:spcPts val="0"/>
+              </a:spcAft>
+              <a:buSzPct val="100000"/>
+              <a:buFont typeface="Wingdings" pitchFamily="2"/>
+              <a:buChar char="§"/>
+              <a:tabLst/>
+              <a:defRPr lang="de-DE" sz="2600" b="0" i="0" u="none" strike="noStrike" kern="1200" cap="none" spc="0" baseline="0">
+                <a:solidFill>
+                  <a:srgbClr val="000000"/>
+                </a:solidFill>
+                <a:uFillTx/>
+                <a:latin typeface="StoneSansITCStd Medium" pitchFamily="50"/>
+              </a:defRPr>
+            </a:lvl2pPr>
+            <a:lvl3pPr marL="804864" marR="0" lvl="2" indent="-268284" algn="l" defTabSz="914400" rtl="0" fontAlgn="auto" hangingPunct="1">
+              <a:lnSpc>
+                <a:spcPct val="100000"/>
+              </a:lnSpc>
+              <a:spcBef>
+                <a:spcPts val="600"/>
+              </a:spcBef>
+              <a:spcAft>
+                <a:spcPts val="0"/>
+              </a:spcAft>
+              <a:buClr>
+                <a:srgbClr val="7F7F7F"/>
+              </a:buClr>
+              <a:buSzPct val="100000"/>
+              <a:buFont typeface="Wingdings" pitchFamily="2"/>
+              <a:buChar char="§"/>
+              <a:tabLst/>
+              <a:defRPr lang="de-DE" sz="2400" b="0" i="0" u="none" strike="noStrike" kern="1200" cap="none" spc="0" baseline="0">
+                <a:solidFill>
+                  <a:srgbClr val="000000"/>
+                </a:solidFill>
+                <a:uFillTx/>
+                <a:latin typeface="StoneSansITCStd Medium" pitchFamily="50"/>
+                <a:ea typeface="Arial Unicode MS" pitchFamily="34"/>
+                <a:cs typeface="Arial Unicode MS" pitchFamily="34"/>
+              </a:defRPr>
+            </a:lvl3pPr>
+            <a:lvl4pPr marL="1071567" marR="0" lvl="3" indent="-228600" algn="l" defTabSz="914400" rtl="0" fontAlgn="auto" hangingPunct="1">
+              <a:lnSpc>
+                <a:spcPct val="100000"/>
+              </a:lnSpc>
+              <a:spcBef>
+                <a:spcPts val="500"/>
+              </a:spcBef>
+              <a:spcAft>
+                <a:spcPts val="0"/>
+              </a:spcAft>
+              <a:buSzPct val="100000"/>
+              <a:buFont typeface="Arial" pitchFamily="34"/>
+              <a:buChar char="–"/>
+              <a:tabLst/>
+              <a:defRPr lang="de-DE" sz="2200" b="0" i="0" u="none" strike="noStrike" kern="1200" cap="none" spc="0" baseline="0">
+                <a:solidFill>
+                  <a:srgbClr val="000000"/>
+                </a:solidFill>
+                <a:uFillTx/>
+                <a:latin typeface="StoneSansITCStd Medium" pitchFamily="50"/>
+                <a:ea typeface="Arial Unicode MS" pitchFamily="34"/>
+                <a:cs typeface="Arial Unicode MS" pitchFamily="34"/>
+              </a:defRPr>
+            </a:lvl4pPr>
+            <a:lvl5pPr marL="1165229" marR="0" lvl="4" indent="-265111" algn="l" defTabSz="914400" rtl="0" fontAlgn="auto" hangingPunct="1">
+              <a:lnSpc>
+                <a:spcPct val="100000"/>
+              </a:lnSpc>
+              <a:spcBef>
+                <a:spcPts val="400"/>
+              </a:spcBef>
+              <a:spcAft>
+                <a:spcPts val="0"/>
+              </a:spcAft>
+              <a:buClr>
+                <a:srgbClr val="7F7F7F"/>
+              </a:buClr>
+              <a:buSzPct val="100000"/>
+              <a:buFont typeface="Symbol" pitchFamily="18"/>
+              <a:buChar char="-"/>
+              <a:tabLst/>
+              <a:defRPr lang="de-DE" sz="1800" b="0" i="0" u="none" strike="noStrike" kern="1200" cap="none" spc="0" baseline="0">
+                <a:solidFill>
+                  <a:srgbClr val="000000"/>
+                </a:solidFill>
+                <a:uFillTx/>
+                <a:latin typeface="StoneSansITCStd Medium" pitchFamily="50"/>
+              </a:defRPr>
+            </a:lvl5pPr>
+            <a:lvl6pPr marL="2514600" indent="-228600" algn="l" defTabSz="914400" rtl="0" eaLnBrk="1" latinLnBrk="0" hangingPunct="1">
+              <a:lnSpc>
+                <a:spcPct val="90000"/>
+              </a:lnSpc>
+              <a:spcBef>
+                <a:spcPts val="500"/>
+              </a:spcBef>
+              <a:buFont typeface="Arial" panose="020B0604020202020204" pitchFamily="34" charset="0"/>
+              <a:buChar char="•"/>
+              <a:defRPr sz="1800" kern="1200">
+                <a:solidFill>
+                  <a:schemeClr val="tx1"/>
+                </a:solidFill>
+                <a:latin typeface="+mn-lt"/>
+                <a:ea typeface="+mn-ea"/>
+                <a:cs typeface="+mn-cs"/>
+              </a:defRPr>
+            </a:lvl6pPr>
+            <a:lvl7pPr marL="2971800" indent="-228600" algn="l" defTabSz="914400" rtl="0" eaLnBrk="1" latinLnBrk="0" hangingPunct="1">
+              <a:lnSpc>
+                <a:spcPct val="90000"/>
+              </a:lnSpc>
+              <a:spcBef>
+                <a:spcPts val="500"/>
+              </a:spcBef>
+              <a:buFont typeface="Arial" panose="020B0604020202020204" pitchFamily="34" charset="0"/>
+              <a:buChar char="•"/>
+              <a:defRPr sz="1800" kern="1200">
+                <a:solidFill>
+                  <a:schemeClr val="tx1"/>
+                </a:solidFill>
+                <a:latin typeface="+mn-lt"/>
+                <a:ea typeface="+mn-ea"/>
+                <a:cs typeface="+mn-cs"/>
+              </a:defRPr>
+            </a:lvl7pPr>
+            <a:lvl8pPr marL="3429000" indent="-228600" algn="l" defTabSz="914400" rtl="0" eaLnBrk="1" latinLnBrk="0" hangingPunct="1">
+              <a:lnSpc>
+                <a:spcPct val="90000"/>
+              </a:lnSpc>
+              <a:spcBef>
+                <a:spcPts val="500"/>
+              </a:spcBef>
+              <a:buFont typeface="Arial" panose="020B0604020202020204" pitchFamily="34" charset="0"/>
+              <a:buChar char="•"/>
+              <a:defRPr sz="1800" kern="1200">
+                <a:solidFill>
+                  <a:schemeClr val="tx1"/>
+                </a:solidFill>
+                <a:latin typeface="+mn-lt"/>
+                <a:ea typeface="+mn-ea"/>
+                <a:cs typeface="+mn-cs"/>
+              </a:defRPr>
+            </a:lvl8pPr>
+            <a:lvl9pPr marL="3886200" indent="-228600" algn="l" defTabSz="914400" rtl="0" eaLnBrk="1" latinLnBrk="0" hangingPunct="1">
+              <a:lnSpc>
+                <a:spcPct val="90000"/>
+              </a:lnSpc>
+              <a:spcBef>
+                <a:spcPts val="500"/>
+              </a:spcBef>
+              <a:buFont typeface="Arial" panose="020B0604020202020204" pitchFamily="34" charset="0"/>
+              <a:buChar char="•"/>
+              <a:defRPr sz="1800" kern="1200">
+                <a:solidFill>
+                  <a:schemeClr val="tx1"/>
+                </a:solidFill>
+                <a:latin typeface="+mn-lt"/>
+                <a:ea typeface="+mn-ea"/>
+                <a:cs typeface="+mn-cs"/>
+              </a:defRPr>
+            </a:lvl9pPr>
+          </a:lstStyle>
+          <a:p>
+            <a:r>
+              <a:rPr lang="de-DE" sz="2000" dirty="0" err="1"/>
+              <a:t>Creating</a:t>
+            </a:r>
+            <a:r>
+              <a:rPr lang="de-DE" sz="2000" dirty="0"/>
+              <a:t> a </a:t>
+            </a:r>
+            <a:r>
+              <a:rPr lang="de-DE" sz="2000" dirty="0" err="1"/>
+              <a:t>functioning</a:t>
+            </a:r>
+            <a:r>
+              <a:rPr lang="de-DE" sz="2000" dirty="0"/>
+              <a:t> </a:t>
+            </a:r>
+            <a:r>
+              <a:rPr lang="de-DE" sz="2000" dirty="0" err="1"/>
+              <a:t>pathing</a:t>
+            </a:r>
+            <a:r>
+              <a:rPr lang="de-DE" sz="2000" dirty="0"/>
+              <a:t> </a:t>
+            </a:r>
+            <a:r>
+              <a:rPr lang="de-DE" sz="2000" dirty="0" err="1"/>
+              <a:t>algorithm</a:t>
+            </a:r>
+            <a:endParaRPr lang="de-DE" sz="2000" dirty="0"/>
+          </a:p>
+          <a:p>
+            <a:pPr lvl="1"/>
+            <a:r>
+              <a:rPr lang="de-DE" sz="1800" dirty="0" err="1"/>
+              <a:t>Improve</a:t>
+            </a:r>
+            <a:r>
+              <a:rPr lang="de-DE" sz="1800" dirty="0"/>
+              <a:t> (not </a:t>
+            </a:r>
+            <a:r>
+              <a:rPr lang="de-DE" sz="1800" dirty="0" err="1"/>
+              <a:t>random</a:t>
+            </a:r>
+            <a:r>
+              <a:rPr lang="de-DE" sz="1800" dirty="0"/>
+              <a:t>, </a:t>
+            </a:r>
+            <a:r>
+              <a:rPr lang="de-DE" sz="1800" dirty="0" err="1"/>
+              <a:t>have</a:t>
+            </a:r>
+            <a:r>
+              <a:rPr lang="de-DE" sz="1800" dirty="0"/>
+              <a:t> a </a:t>
+            </a:r>
+            <a:r>
+              <a:rPr lang="de-DE" sz="1800" dirty="0" err="1"/>
+              <a:t>goal</a:t>
+            </a:r>
+            <a:r>
+              <a:rPr lang="de-DE" sz="1800" dirty="0"/>
+              <a:t>)</a:t>
+            </a:r>
+          </a:p>
+          <a:p>
+            <a:pPr marL="0" indent="0">
+              <a:buNone/>
+            </a:pPr>
+            <a:endParaRPr lang="en-GB" sz="2000" dirty="0"/>
+          </a:p>
+          <a:p>
+            <a:r>
+              <a:rPr lang="de-DE" sz="2000" dirty="0"/>
+              <a:t>Next </a:t>
+            </a:r>
+            <a:r>
+              <a:rPr lang="de-DE" sz="2000" dirty="0" err="1"/>
+              <a:t>milestone</a:t>
+            </a:r>
+            <a:endParaRPr lang="de-DE" sz="2000" dirty="0"/>
+          </a:p>
+          <a:p>
+            <a:pPr lvl="1"/>
+            <a:r>
+              <a:rPr lang="de-DE" sz="1800" dirty="0" err="1"/>
+              <a:t>Completing</a:t>
+            </a:r>
+            <a:r>
+              <a:rPr lang="de-DE" sz="1800" dirty="0"/>
+              <a:t> </a:t>
+            </a:r>
+            <a:r>
+              <a:rPr lang="de-DE" sz="1800" dirty="0" err="1"/>
+              <a:t>tasks</a:t>
+            </a:r>
+            <a:endParaRPr lang="de-DE" sz="1800" dirty="0"/>
+          </a:p>
+          <a:p>
+            <a:pPr lvl="1"/>
+            <a:endParaRPr lang="de-DE" sz="1800" dirty="0"/>
+          </a:p>
+          <a:p>
+            <a:r>
+              <a:rPr lang="en-GB" sz="2000" dirty="0"/>
+              <a:t>Having multiple agents</a:t>
+            </a:r>
+          </a:p>
+          <a:p>
+            <a:pPr lvl="1"/>
+            <a:endParaRPr lang="de-DE" sz="1800" dirty="0"/>
+          </a:p>
+        </p:txBody>
+      </p:sp>
+    </p:spTree>
+    <p:extLst>
+      <p:ext uri="{BB962C8B-B14F-4D97-AF65-F5344CB8AC3E}">
+        <p14:creationId xmlns:p14="http://schemas.microsoft.com/office/powerpoint/2010/main" val="1421447749"/>
       </p:ext>
     </p:extLst>
   </p:cSld>
